--- a/Architecture.pptx
+++ b/Architecture.pptx
@@ -11,7 +11,8 @@
     <p:sldId id="262" r:id="rId5"/>
     <p:sldId id="264" r:id="rId6"/>
     <p:sldId id="265" r:id="rId7"/>
-    <p:sldId id="259" r:id="rId8"/>
+    <p:sldId id="266" r:id="rId8"/>
+    <p:sldId id="259" r:id="rId9"/>
   </p:sldIdLst>
   <p:sldSz cx="12192000" cy="6858000"/>
   <p:notesSz cx="6858000" cy="9144000"/>
@@ -5999,7 +6000,7 @@
           <a:p>
             <a:fld id="{454E64D0-976F-4CEA-BADD-CB895B93324D}" type="datetimeFigureOut">
               <a:rPr lang="fr-FR" smtClean="0"/>
-              <a:t>10/05/2023</a:t>
+              <a:t>25/05/2023</a:t>
             </a:fld>
             <a:endParaRPr lang="fr-FR"/>
           </a:p>
@@ -6197,7 +6198,7 @@
           <a:p>
             <a:fld id="{454E64D0-976F-4CEA-BADD-CB895B93324D}" type="datetimeFigureOut">
               <a:rPr lang="fr-FR" smtClean="0"/>
-              <a:t>10/05/2023</a:t>
+              <a:t>25/05/2023</a:t>
             </a:fld>
             <a:endParaRPr lang="fr-FR"/>
           </a:p>
@@ -6405,7 +6406,7 @@
           <a:p>
             <a:fld id="{454E64D0-976F-4CEA-BADD-CB895B93324D}" type="datetimeFigureOut">
               <a:rPr lang="fr-FR" smtClean="0"/>
-              <a:t>10/05/2023</a:t>
+              <a:t>25/05/2023</a:t>
             </a:fld>
             <a:endParaRPr lang="fr-FR"/>
           </a:p>
@@ -6603,7 +6604,7 @@
           <a:p>
             <a:fld id="{454E64D0-976F-4CEA-BADD-CB895B93324D}" type="datetimeFigureOut">
               <a:rPr lang="fr-FR" smtClean="0"/>
-              <a:t>10/05/2023</a:t>
+              <a:t>25/05/2023</a:t>
             </a:fld>
             <a:endParaRPr lang="fr-FR"/>
           </a:p>
@@ -6878,7 +6879,7 @@
           <a:p>
             <a:fld id="{454E64D0-976F-4CEA-BADD-CB895B93324D}" type="datetimeFigureOut">
               <a:rPr lang="fr-FR" smtClean="0"/>
-              <a:t>10/05/2023</a:t>
+              <a:t>25/05/2023</a:t>
             </a:fld>
             <a:endParaRPr lang="fr-FR"/>
           </a:p>
@@ -7143,7 +7144,7 @@
           <a:p>
             <a:fld id="{454E64D0-976F-4CEA-BADD-CB895B93324D}" type="datetimeFigureOut">
               <a:rPr lang="fr-FR" smtClean="0"/>
-              <a:t>10/05/2023</a:t>
+              <a:t>25/05/2023</a:t>
             </a:fld>
             <a:endParaRPr lang="fr-FR"/>
           </a:p>
@@ -7555,7 +7556,7 @@
           <a:p>
             <a:fld id="{454E64D0-976F-4CEA-BADD-CB895B93324D}" type="datetimeFigureOut">
               <a:rPr lang="fr-FR" smtClean="0"/>
-              <a:t>10/05/2023</a:t>
+              <a:t>25/05/2023</a:t>
             </a:fld>
             <a:endParaRPr lang="fr-FR"/>
           </a:p>
@@ -7696,7 +7697,7 @@
           <a:p>
             <a:fld id="{454E64D0-976F-4CEA-BADD-CB895B93324D}" type="datetimeFigureOut">
               <a:rPr lang="fr-FR" smtClean="0"/>
-              <a:t>10/05/2023</a:t>
+              <a:t>25/05/2023</a:t>
             </a:fld>
             <a:endParaRPr lang="fr-FR"/>
           </a:p>
@@ -7809,7 +7810,7 @@
           <a:p>
             <a:fld id="{454E64D0-976F-4CEA-BADD-CB895B93324D}" type="datetimeFigureOut">
               <a:rPr lang="fr-FR" smtClean="0"/>
-              <a:t>10/05/2023</a:t>
+              <a:t>25/05/2023</a:t>
             </a:fld>
             <a:endParaRPr lang="fr-FR"/>
           </a:p>
@@ -8120,7 +8121,7 @@
           <a:p>
             <a:fld id="{454E64D0-976F-4CEA-BADD-CB895B93324D}" type="datetimeFigureOut">
               <a:rPr lang="fr-FR" smtClean="0"/>
-              <a:t>10/05/2023</a:t>
+              <a:t>25/05/2023</a:t>
             </a:fld>
             <a:endParaRPr lang="fr-FR"/>
           </a:p>
@@ -8408,7 +8409,7 @@
           <a:p>
             <a:fld id="{454E64D0-976F-4CEA-BADD-CB895B93324D}" type="datetimeFigureOut">
               <a:rPr lang="fr-FR" smtClean="0"/>
-              <a:t>10/05/2023</a:t>
+              <a:t>25/05/2023</a:t>
             </a:fld>
             <a:endParaRPr lang="fr-FR"/>
           </a:p>
@@ -8649,7 +8650,7 @@
           <a:p>
             <a:fld id="{454E64D0-976F-4CEA-BADD-CB895B93324D}" type="datetimeFigureOut">
               <a:rPr lang="fr-FR" smtClean="0"/>
-              <a:t>10/05/2023</a:t>
+              <a:t>25/05/2023</a:t>
             </a:fld>
             <a:endParaRPr lang="fr-FR"/>
           </a:p>
@@ -12140,6 +12141,267 @@
           <p:cNvPr id="2" name="Titre 1">
             <a:extLst>
               <a:ext uri="{FF2B5EF4-FFF2-40B4-BE49-F238E27FC236}">
+                <a16:creationId xmlns:a16="http://schemas.microsoft.com/office/drawing/2014/main" id="{08702712-22F6-E27B-76CB-BBB7773FD731}"/>
+              </a:ext>
+            </a:extLst>
+          </p:cNvPr>
+          <p:cNvSpPr>
+            <a:spLocks noGrp="1"/>
+          </p:cNvSpPr>
+          <p:nvPr>
+            <p:ph type="ctrTitle"/>
+          </p:nvPr>
+        </p:nvSpPr>
+        <p:spPr>
+          <a:xfrm>
+            <a:off x="692331" y="1122362"/>
+            <a:ext cx="4794069" cy="3018564"/>
+          </a:xfrm>
+        </p:spPr>
+        <p:txBody>
+          <a:bodyPr anchor="t">
+            <a:normAutofit fontScale="90000"/>
+          </a:bodyPr>
+          <a:lstStyle/>
+          <a:p>
+            <a:pPr algn="l">
+              <a:tabLst>
+                <a:tab pos="177800" algn="l"/>
+              </a:tabLst>
+            </a:pPr>
+            <a:r>
+              <a:rPr lang="fr-FR" sz="1800" dirty="0"/>
+              <a:t>Modifier </a:t>
+            </a:r>
+            <a:r>
+              <a:rPr lang="fr-FR" sz="1800" dirty="0" err="1"/>
+              <a:t>jupyter</a:t>
+            </a:r>
+            <a:r>
+              <a:rPr lang="fr-FR" sz="1800" dirty="0"/>
+              <a:t>  </a:t>
+            </a:r>
+            <a:r>
+              <a:rPr lang="fr-FR" sz="1800" dirty="0" err="1"/>
+              <a:t>pre</a:t>
+            </a:r>
+            <a:r>
+              <a:rPr lang="fr-FR" sz="1800" dirty="0"/>
+              <a:t> </a:t>
+            </a:r>
+            <a:r>
+              <a:rPr lang="fr-FR" sz="1800" dirty="0" err="1"/>
+              <a:t>processing_transactions_IRIS</a:t>
+            </a:r>
+            <a:r>
+              <a:rPr lang="fr-FR" sz="1800" dirty="0"/>
+              <a:t>:</a:t>
+            </a:r>
+            <a:br>
+              <a:rPr lang="fr-FR" sz="1800" dirty="0"/>
+            </a:br>
+            <a:br>
+              <a:rPr lang="fr-FR" sz="1800" dirty="0"/>
+            </a:br>
+            <a:r>
+              <a:rPr lang="fr-FR" sz="1800" dirty="0"/>
+              <a:t>import les nouvelles données</a:t>
+            </a:r>
+            <a:br>
+              <a:rPr lang="fr-FR" sz="1800" dirty="0"/>
+            </a:br>
+            <a:br>
+              <a:rPr lang="fr-FR" sz="1800" dirty="0"/>
+            </a:br>
+            <a:r>
+              <a:rPr lang="fr-FR" sz="1800" dirty="0"/>
+              <a:t>filtrer :</a:t>
+            </a:r>
+            <a:br>
+              <a:rPr lang="fr-FR" sz="1800" dirty="0"/>
+            </a:br>
+            <a:r>
+              <a:rPr lang="fr-FR" sz="1800" dirty="0"/>
+              <a:t>-supprimer les </a:t>
+            </a:r>
+            <a:r>
+              <a:rPr lang="fr-FR" sz="1800" dirty="0" err="1"/>
+              <a:t>outliers</a:t>
+            </a:r>
+            <a:br>
+              <a:rPr lang="fr-FR" sz="1800" dirty="0"/>
+            </a:br>
+            <a:r>
+              <a:rPr lang="fr-FR" sz="1800" dirty="0"/>
+              <a:t>-supprimer les surface habitable ≤ 0</a:t>
+            </a:r>
+            <a:br>
+              <a:rPr lang="fr-FR" sz="1800" dirty="0"/>
+            </a:br>
+            <a:r>
+              <a:rPr lang="fr-FR" sz="1800" dirty="0"/>
+              <a:t>-générer un fichier csv</a:t>
+            </a:r>
+            <a:br>
+              <a:rPr lang="fr-FR" sz="1800" dirty="0"/>
+            </a:br>
+            <a:r>
+              <a:rPr lang="fr-FR" sz="1800" dirty="0"/>
+              <a:t>-importer dans la BDD local</a:t>
+            </a:r>
+            <a:br>
+              <a:rPr lang="fr-FR" sz="1800" dirty="0"/>
+            </a:br>
+            <a:br>
+              <a:rPr lang="fr-FR" sz="1800" dirty="0"/>
+            </a:br>
+            <a:br>
+              <a:rPr lang="fr-FR" sz="1800" dirty="0"/>
+            </a:br>
+            <a:br>
+              <a:rPr lang="fr-FR" sz="1800" dirty="0"/>
+            </a:br>
+            <a:endParaRPr lang="fr-FR" sz="1800" dirty="0"/>
+          </a:p>
+        </p:txBody>
+      </p:sp>
+      <p:sp>
+        <p:nvSpPr>
+          <p:cNvPr id="4" name="Titre 1">
+            <a:extLst>
+              <a:ext uri="{FF2B5EF4-FFF2-40B4-BE49-F238E27FC236}">
+                <a16:creationId xmlns:a16="http://schemas.microsoft.com/office/drawing/2014/main" id="{62CC928B-79A2-E8C6-D696-E93520D3ABCE}"/>
+              </a:ext>
+            </a:extLst>
+          </p:cNvPr>
+          <p:cNvSpPr txBox="1">
+            <a:spLocks/>
+          </p:cNvSpPr>
+          <p:nvPr/>
+        </p:nvSpPr>
+        <p:spPr>
+          <a:xfrm>
+            <a:off x="6052457" y="1122362"/>
+            <a:ext cx="3962400" cy="2306638"/>
+          </a:xfrm>
+          <a:prstGeom prst="rect">
+            <a:avLst/>
+          </a:prstGeom>
+        </p:spPr>
+        <p:txBody>
+          <a:bodyPr vert="horz" lIns="91440" tIns="45720" rIns="91440" bIns="45720" rtlCol="0" anchor="t">
+            <a:normAutofit/>
+          </a:bodyPr>
+          <a:lstStyle>
+            <a:lvl1pPr algn="ctr" defTabSz="914400" rtl="0" eaLnBrk="1" latinLnBrk="0" hangingPunct="1">
+              <a:lnSpc>
+                <a:spcPct val="90000"/>
+              </a:lnSpc>
+              <a:spcBef>
+                <a:spcPct val="0"/>
+              </a:spcBef>
+              <a:buNone/>
+              <a:defRPr sz="6000" kern="1200">
+                <a:solidFill>
+                  <a:schemeClr val="tx1"/>
+                </a:solidFill>
+                <a:latin typeface="+mj-lt"/>
+                <a:ea typeface="+mj-ea"/>
+                <a:cs typeface="+mj-cs"/>
+              </a:defRPr>
+            </a:lvl1pPr>
+          </a:lstStyle>
+          <a:p>
+            <a:pPr marL="171450" indent="-171450" algn="l">
+              <a:buFont typeface="Arial" panose="020B0604020202020204" pitchFamily="34" charset="0"/>
+              <a:buChar char="•"/>
+            </a:pPr>
+            <a:r>
+              <a:rPr lang="fr-FR" sz="1100" dirty="0"/>
+              <a:t>Conteneuriser la BDD local</a:t>
+            </a:r>
+          </a:p>
+          <a:p>
+            <a:pPr marL="171450" indent="-171450" algn="l">
+              <a:buFont typeface="Arial" panose="020B0604020202020204" pitchFamily="34" charset="0"/>
+              <a:buChar char="•"/>
+            </a:pPr>
+            <a:r>
+              <a:rPr lang="fr-FR" sz="1100" dirty="0"/>
+              <a:t>Créer le réseau pour que l’API communique avec la BDD</a:t>
+            </a:r>
+          </a:p>
+          <a:p>
+            <a:pPr marL="171450" indent="-171450" algn="l">
+              <a:buFont typeface="Arial" panose="020B0604020202020204" pitchFamily="34" charset="0"/>
+              <a:buChar char="•"/>
+            </a:pPr>
+            <a:endParaRPr lang="fr-FR" sz="1100" dirty="0"/>
+          </a:p>
+          <a:p>
+            <a:pPr marL="171450" indent="-171450" algn="l">
+              <a:buFont typeface="Arial" panose="020B0604020202020204" pitchFamily="34" charset="0"/>
+              <a:buChar char="•"/>
+            </a:pPr>
+            <a:r>
+              <a:rPr lang="fr-FR" sz="1100" dirty="0"/>
+              <a:t>Créer le </a:t>
+            </a:r>
+            <a:r>
+              <a:rPr lang="fr-FR" sz="1100" dirty="0" err="1"/>
+              <a:t>airflow</a:t>
+            </a:r>
+            <a:br>
+              <a:rPr lang="fr-FR" sz="1100" dirty="0"/>
+            </a:br>
+            <a:br>
+              <a:rPr lang="fr-FR" sz="1100" dirty="0"/>
+            </a:br>
+            <a:br>
+              <a:rPr lang="fr-FR" sz="1100" dirty="0"/>
+            </a:br>
+            <a:br>
+              <a:rPr lang="fr-FR" sz="1100" dirty="0"/>
+            </a:br>
+            <a:endParaRPr lang="fr-FR" sz="1100" dirty="0"/>
+          </a:p>
+        </p:txBody>
+      </p:sp>
+    </p:spTree>
+    <p:extLst>
+      <p:ext uri="{BB962C8B-B14F-4D97-AF65-F5344CB8AC3E}">
+        <p14:creationId xmlns:p14="http://schemas.microsoft.com/office/powerpoint/2010/main" val="301620062"/>
+      </p:ext>
+    </p:extLst>
+  </p:cSld>
+  <p:clrMapOvr>
+    <a:masterClrMapping/>
+  </p:clrMapOvr>
+</p:sld>
+</file>
+
+<file path=ppt/slides/slide8.xml><?xml version="1.0" encoding="utf-8"?>
+<p:sld xmlns:a="http://schemas.openxmlformats.org/drawingml/2006/main" xmlns:r="http://schemas.openxmlformats.org/officeDocument/2006/relationships" xmlns:p="http://schemas.openxmlformats.org/presentationml/2006/main">
+  <p:cSld>
+    <p:spTree>
+      <p:nvGrpSpPr>
+        <p:cNvPr id="1" name=""/>
+        <p:cNvGrpSpPr/>
+        <p:nvPr/>
+      </p:nvGrpSpPr>
+      <p:grpSpPr>
+        <a:xfrm>
+          <a:off x="0" y="0"/>
+          <a:ext cx="0" cy="0"/>
+          <a:chOff x="0" y="0"/>
+          <a:chExt cx="0" cy="0"/>
+        </a:xfrm>
+      </p:grpSpPr>
+      <p:sp>
+        <p:nvSpPr>
+          <p:cNvPr id="2" name="Titre 1">
+            <a:extLst>
+              <a:ext uri="{FF2B5EF4-FFF2-40B4-BE49-F238E27FC236}">
                 <a16:creationId xmlns:a16="http://schemas.microsoft.com/office/drawing/2014/main" id="{1422CFAD-0CBA-DD4E-C522-7EF00BA98CD2}"/>
               </a:ext>
             </a:extLst>

--- a/Architecture.pptx
+++ b/Architecture.pptx
@@ -6,13 +6,9 @@
   </p:sldMasterIdLst>
   <p:sldIdLst>
     <p:sldId id="258" r:id="rId2"/>
-    <p:sldId id="263" r:id="rId3"/>
-    <p:sldId id="261" r:id="rId4"/>
-    <p:sldId id="262" r:id="rId5"/>
-    <p:sldId id="264" r:id="rId6"/>
-    <p:sldId id="265" r:id="rId7"/>
-    <p:sldId id="266" r:id="rId8"/>
-    <p:sldId id="259" r:id="rId9"/>
+    <p:sldId id="262" r:id="rId3"/>
+    <p:sldId id="264" r:id="rId4"/>
+    <p:sldId id="259" r:id="rId5"/>
   </p:sldIdLst>
   <p:sldSz cx="12192000" cy="6858000"/>
   <p:notesSz cx="6858000" cy="9144000"/>
@@ -6000,7 +5996,7 @@
           <a:p>
             <a:fld id="{454E64D0-976F-4CEA-BADD-CB895B93324D}" type="datetimeFigureOut">
               <a:rPr lang="fr-FR" smtClean="0"/>
-              <a:t>25/05/2023</a:t>
+              <a:t>30/05/2023</a:t>
             </a:fld>
             <a:endParaRPr lang="fr-FR"/>
           </a:p>
@@ -6198,7 +6194,7 @@
           <a:p>
             <a:fld id="{454E64D0-976F-4CEA-BADD-CB895B93324D}" type="datetimeFigureOut">
               <a:rPr lang="fr-FR" smtClean="0"/>
-              <a:t>25/05/2023</a:t>
+              <a:t>30/05/2023</a:t>
             </a:fld>
             <a:endParaRPr lang="fr-FR"/>
           </a:p>
@@ -6406,7 +6402,7 @@
           <a:p>
             <a:fld id="{454E64D0-976F-4CEA-BADD-CB895B93324D}" type="datetimeFigureOut">
               <a:rPr lang="fr-FR" smtClean="0"/>
-              <a:t>25/05/2023</a:t>
+              <a:t>30/05/2023</a:t>
             </a:fld>
             <a:endParaRPr lang="fr-FR"/>
           </a:p>
@@ -6604,7 +6600,7 @@
           <a:p>
             <a:fld id="{454E64D0-976F-4CEA-BADD-CB895B93324D}" type="datetimeFigureOut">
               <a:rPr lang="fr-FR" smtClean="0"/>
-              <a:t>25/05/2023</a:t>
+              <a:t>30/05/2023</a:t>
             </a:fld>
             <a:endParaRPr lang="fr-FR"/>
           </a:p>
@@ -6879,7 +6875,7 @@
           <a:p>
             <a:fld id="{454E64D0-976F-4CEA-BADD-CB895B93324D}" type="datetimeFigureOut">
               <a:rPr lang="fr-FR" smtClean="0"/>
-              <a:t>25/05/2023</a:t>
+              <a:t>30/05/2023</a:t>
             </a:fld>
             <a:endParaRPr lang="fr-FR"/>
           </a:p>
@@ -7144,7 +7140,7 @@
           <a:p>
             <a:fld id="{454E64D0-976F-4CEA-BADD-CB895B93324D}" type="datetimeFigureOut">
               <a:rPr lang="fr-FR" smtClean="0"/>
-              <a:t>25/05/2023</a:t>
+              <a:t>30/05/2023</a:t>
             </a:fld>
             <a:endParaRPr lang="fr-FR"/>
           </a:p>
@@ -7556,7 +7552,7 @@
           <a:p>
             <a:fld id="{454E64D0-976F-4CEA-BADD-CB895B93324D}" type="datetimeFigureOut">
               <a:rPr lang="fr-FR" smtClean="0"/>
-              <a:t>25/05/2023</a:t>
+              <a:t>30/05/2023</a:t>
             </a:fld>
             <a:endParaRPr lang="fr-FR"/>
           </a:p>
@@ -7697,7 +7693,7 @@
           <a:p>
             <a:fld id="{454E64D0-976F-4CEA-BADD-CB895B93324D}" type="datetimeFigureOut">
               <a:rPr lang="fr-FR" smtClean="0"/>
-              <a:t>25/05/2023</a:t>
+              <a:t>30/05/2023</a:t>
             </a:fld>
             <a:endParaRPr lang="fr-FR"/>
           </a:p>
@@ -7810,7 +7806,7 @@
           <a:p>
             <a:fld id="{454E64D0-976F-4CEA-BADD-CB895B93324D}" type="datetimeFigureOut">
               <a:rPr lang="fr-FR" smtClean="0"/>
-              <a:t>25/05/2023</a:t>
+              <a:t>30/05/2023</a:t>
             </a:fld>
             <a:endParaRPr lang="fr-FR"/>
           </a:p>
@@ -8121,7 +8117,7 @@
           <a:p>
             <a:fld id="{454E64D0-976F-4CEA-BADD-CB895B93324D}" type="datetimeFigureOut">
               <a:rPr lang="fr-FR" smtClean="0"/>
-              <a:t>25/05/2023</a:t>
+              <a:t>30/05/2023</a:t>
             </a:fld>
             <a:endParaRPr lang="fr-FR"/>
           </a:p>
@@ -8409,7 +8405,7 @@
           <a:p>
             <a:fld id="{454E64D0-976F-4CEA-BADD-CB895B93324D}" type="datetimeFigureOut">
               <a:rPr lang="fr-FR" smtClean="0"/>
-              <a:t>25/05/2023</a:t>
+              <a:t>30/05/2023</a:t>
             </a:fld>
             <a:endParaRPr lang="fr-FR"/>
           </a:p>
@@ -8650,7 +8646,7 @@
           <a:p>
             <a:fld id="{454E64D0-976F-4CEA-BADD-CB895B93324D}" type="datetimeFigureOut">
               <a:rPr lang="fr-FR" smtClean="0"/>
-              <a:t>25/05/2023</a:t>
+              <a:t>30/05/2023</a:t>
             </a:fld>
             <a:endParaRPr lang="fr-FR"/>
           </a:p>
@@ -9113,13 +9109,26 @@
           <a:p>
             <a:pPr algn="ctr"/>
             <a:r>
-              <a:rPr lang="fr-FR" u="sng" dirty="0">
+              <a:rPr lang="fr-FR" u="sng" dirty="0" err="1">
                 <a:solidFill>
                   <a:schemeClr val="tx1"/>
                 </a:solidFill>
               </a:rPr>
-              <a:t>Nouvelle requête</a:t>
+              <a:t>Endpoints</a:t>
             </a:r>
+            <a:endParaRPr lang="fr-FR" u="sng" dirty="0">
+              <a:solidFill>
+                <a:schemeClr val="tx1"/>
+              </a:solidFill>
+            </a:endParaRPr>
+          </a:p>
+          <a:p>
+            <a:pPr algn="ctr"/>
+            <a:endParaRPr lang="fr-FR" u="sng" dirty="0">
+              <a:solidFill>
+                <a:schemeClr val="tx1"/>
+              </a:solidFill>
+            </a:endParaRPr>
           </a:p>
           <a:p>
             <a:pPr algn="ctr"/>
@@ -10314,7 +10323,7 @@
         <p:spPr>
           <a:xfrm flipH="1">
             <a:off x="897075" y="97943"/>
-            <a:ext cx="1637938" cy="646331"/>
+            <a:ext cx="1637938" cy="369332"/>
           </a:xfrm>
           <a:prstGeom prst="rect">
             <a:avLst/>
@@ -10332,7 +10341,7 @@
             <a:pPr algn="ctr"/>
             <a:r>
               <a:rPr lang="fr-FR" dirty="0"/>
-              <a:t>IHM (Streamlit?)</a:t>
+              <a:t>IHM</a:t>
             </a:r>
           </a:p>
         </p:txBody>
@@ -10616,354 +10625,6 @@
           <a:chExt cx="0" cy="0"/>
         </a:xfrm>
       </p:grpSpPr>
-      <p:sp>
-        <p:nvSpPr>
-          <p:cNvPr id="2" name="Titre 1">
-            <a:extLst>
-              <a:ext uri="{FF2B5EF4-FFF2-40B4-BE49-F238E27FC236}">
-                <a16:creationId xmlns:a16="http://schemas.microsoft.com/office/drawing/2014/main" id="{C9CD5693-87CC-9554-A788-E3D011E6F18F}"/>
-              </a:ext>
-            </a:extLst>
-          </p:cNvPr>
-          <p:cNvSpPr>
-            <a:spLocks noGrp="1"/>
-          </p:cNvSpPr>
-          <p:nvPr>
-            <p:ph type="title"/>
-          </p:nvPr>
-        </p:nvSpPr>
-        <p:spPr/>
-        <p:txBody>
-          <a:bodyPr/>
-          <a:lstStyle/>
-          <a:p>
-            <a:r>
-              <a:rPr lang="fr-FR" dirty="0"/>
-              <a:t>API</a:t>
-            </a:r>
-            <a:r>
-              <a:rPr lang="fr-FR" dirty="0">
-                <a:sym typeface="Wingdings" panose="05000000000000000000" pitchFamily="2" charset="2"/>
-              </a:rPr>
-              <a:t>BD</a:t>
-            </a:r>
-            <a:endParaRPr lang="fr-FR" dirty="0"/>
-          </a:p>
-        </p:txBody>
-      </p:sp>
-      <p:sp>
-        <p:nvSpPr>
-          <p:cNvPr id="3" name="Espace réservé du contenu 2">
-            <a:extLst>
-              <a:ext uri="{FF2B5EF4-FFF2-40B4-BE49-F238E27FC236}">
-                <a16:creationId xmlns:a16="http://schemas.microsoft.com/office/drawing/2014/main" id="{4900292B-792E-296E-E9CE-15B55243AA3A}"/>
-              </a:ext>
-            </a:extLst>
-          </p:cNvPr>
-          <p:cNvSpPr>
-            <a:spLocks noGrp="1"/>
-          </p:cNvSpPr>
-          <p:nvPr>
-            <p:ph idx="1"/>
-          </p:nvPr>
-        </p:nvSpPr>
-        <p:spPr/>
-        <p:txBody>
-          <a:bodyPr/>
-          <a:lstStyle/>
-          <a:p>
-            <a:pPr marL="0" indent="0">
-              <a:buNone/>
-            </a:pPr>
-            <a:r>
-              <a:rPr lang="fr-FR" dirty="0"/>
-              <a:t>Fichier </a:t>
-            </a:r>
-            <a:r>
-              <a:rPr lang="fr-FR" dirty="0" err="1"/>
-              <a:t>preprocessing</a:t>
-            </a:r>
-            <a:r>
-              <a:rPr lang="fr-FR" dirty="0"/>
-              <a:t> à supprimer</a:t>
-            </a:r>
-          </a:p>
-          <a:p>
-            <a:pPr marL="0" indent="0">
-              <a:buNone/>
-            </a:pPr>
-            <a:r>
-              <a:rPr lang="fr-FR" dirty="0"/>
-              <a:t>Fichier </a:t>
-            </a:r>
-            <a:r>
-              <a:rPr lang="fr-FR" dirty="0" err="1"/>
-              <a:t>db</a:t>
-            </a:r>
-            <a:r>
-              <a:rPr lang="fr-FR" dirty="0"/>
-              <a:t> à consolider pour obtenir liste de dpt, ville, quartier (par ville/dpt)</a:t>
-            </a:r>
-          </a:p>
-          <a:p>
-            <a:pPr marL="0" indent="0">
-              <a:buNone/>
-            </a:pPr>
-            <a:endParaRPr lang="fr-FR" dirty="0"/>
-          </a:p>
-          <a:p>
-            <a:pPr marL="0" indent="0">
-              <a:buNone/>
-            </a:pPr>
-            <a:r>
-              <a:rPr lang="fr-FR" dirty="0"/>
-              <a:t>Import de toute la BD comme DF bcp trop long =&gt; plante</a:t>
-            </a:r>
-          </a:p>
-          <a:p>
-            <a:pPr marL="0" indent="0">
-              <a:buNone/>
-            </a:pPr>
-            <a:endParaRPr lang="fr-FR" dirty="0"/>
-          </a:p>
-          <a:p>
-            <a:pPr marL="0" indent="0">
-              <a:buNone/>
-            </a:pPr>
-            <a:endParaRPr lang="fr-FR" dirty="0"/>
-          </a:p>
-        </p:txBody>
-      </p:sp>
-    </p:spTree>
-    <p:extLst>
-      <p:ext uri="{BB962C8B-B14F-4D97-AF65-F5344CB8AC3E}">
-        <p14:creationId xmlns:p14="http://schemas.microsoft.com/office/powerpoint/2010/main" val="1648711580"/>
-      </p:ext>
-    </p:extLst>
-  </p:cSld>
-  <p:clrMapOvr>
-    <a:masterClrMapping/>
-  </p:clrMapOvr>
-</p:sld>
-</file>
-
-<file path=ppt/slides/slide3.xml><?xml version="1.0" encoding="utf-8"?>
-<p:sld xmlns:a="http://schemas.openxmlformats.org/drawingml/2006/main" xmlns:r="http://schemas.openxmlformats.org/officeDocument/2006/relationships" xmlns:p="http://schemas.openxmlformats.org/presentationml/2006/main">
-  <p:cSld>
-    <p:spTree>
-      <p:nvGrpSpPr>
-        <p:cNvPr id="1" name=""/>
-        <p:cNvGrpSpPr/>
-        <p:nvPr/>
-      </p:nvGrpSpPr>
-      <p:grpSpPr>
-        <a:xfrm>
-          <a:off x="0" y="0"/>
-          <a:ext cx="0" cy="0"/>
-          <a:chOff x="0" y="0"/>
-          <a:chExt cx="0" cy="0"/>
-        </a:xfrm>
-      </p:grpSpPr>
-      <p:sp>
-        <p:nvSpPr>
-          <p:cNvPr id="2" name="Titre 1">
-            <a:extLst>
-              <a:ext uri="{FF2B5EF4-FFF2-40B4-BE49-F238E27FC236}">
-                <a16:creationId xmlns:a16="http://schemas.microsoft.com/office/drawing/2014/main" id="{8E519B5E-F564-26C1-F7C6-C56B02682E4F}"/>
-              </a:ext>
-            </a:extLst>
-          </p:cNvPr>
-          <p:cNvSpPr>
-            <a:spLocks noGrp="1"/>
-          </p:cNvSpPr>
-          <p:nvPr>
-            <p:ph type="title"/>
-          </p:nvPr>
-        </p:nvSpPr>
-        <p:spPr/>
-        <p:txBody>
-          <a:bodyPr/>
-          <a:lstStyle/>
-          <a:p>
-            <a:r>
-              <a:rPr lang="fr-FR" dirty="0"/>
-              <a:t>Tests unitaires</a:t>
-            </a:r>
-          </a:p>
-        </p:txBody>
-      </p:sp>
-      <p:sp>
-        <p:nvSpPr>
-          <p:cNvPr id="3" name="Espace réservé du contenu 2">
-            <a:extLst>
-              <a:ext uri="{FF2B5EF4-FFF2-40B4-BE49-F238E27FC236}">
-                <a16:creationId xmlns:a16="http://schemas.microsoft.com/office/drawing/2014/main" id="{48164CA2-5EA3-DE68-2A27-0D7DA8934321}"/>
-              </a:ext>
-            </a:extLst>
-          </p:cNvPr>
-          <p:cNvSpPr>
-            <a:spLocks noGrp="1"/>
-          </p:cNvSpPr>
-          <p:nvPr>
-            <p:ph idx="1"/>
-          </p:nvPr>
-        </p:nvSpPr>
-        <p:spPr/>
-        <p:txBody>
-          <a:bodyPr>
-            <a:normAutofit lnSpcReduction="10000"/>
-          </a:bodyPr>
-          <a:lstStyle/>
-          <a:p>
-            <a:r>
-              <a:rPr lang="fr-FR" dirty="0" err="1"/>
-              <a:t>Import_new_dataset</a:t>
-            </a:r>
-            <a:endParaRPr lang="fr-FR" dirty="0"/>
-          </a:p>
-          <a:p>
-            <a:pPr lvl="1"/>
-            <a:r>
-              <a:rPr lang="fr-FR" dirty="0">
-                <a:solidFill>
-                  <a:srgbClr val="00B050"/>
-                </a:solidFill>
-              </a:rPr>
-              <a:t>nb de ligne de la BD &gt;1,4M</a:t>
-            </a:r>
-          </a:p>
-          <a:p>
-            <a:pPr lvl="1"/>
-            <a:r>
-              <a:rPr lang="fr-FR" dirty="0"/>
-              <a:t>Test des prédictions sur des requêtes similaires sur un quartier</a:t>
-            </a:r>
-          </a:p>
-          <a:p>
-            <a:pPr lvl="1"/>
-            <a:r>
-              <a:rPr lang="fr-FR" dirty="0"/>
-              <a:t>Contrôle </a:t>
-            </a:r>
-            <a:r>
-              <a:rPr lang="fr-FR" dirty="0" err="1"/>
-              <a:t>outlier</a:t>
-            </a:r>
-            <a:r>
-              <a:rPr lang="fr-FR" dirty="0"/>
-              <a:t> sur prix</a:t>
-            </a:r>
-          </a:p>
-          <a:p>
-            <a:pPr lvl="1"/>
-            <a:endParaRPr lang="fr-FR" dirty="0"/>
-          </a:p>
-          <a:p>
-            <a:r>
-              <a:rPr lang="fr-FR" dirty="0"/>
-              <a:t>Requête</a:t>
-            </a:r>
-          </a:p>
-          <a:p>
-            <a:pPr lvl="1"/>
-            <a:r>
-              <a:rPr lang="fr-FR" dirty="0">
-                <a:solidFill>
-                  <a:srgbClr val="00B050"/>
-                </a:solidFill>
-              </a:rPr>
-              <a:t>Test connexion API </a:t>
-            </a:r>
-            <a:r>
-              <a:rPr lang="fr-FR" dirty="0">
-                <a:solidFill>
-                  <a:srgbClr val="00B050"/>
-                </a:solidFill>
-                <a:sym typeface="Wingdings" panose="05000000000000000000" pitchFamily="2" charset="2"/>
-              </a:rPr>
-              <a:t></a:t>
-            </a:r>
-            <a:r>
-              <a:rPr lang="fr-FR" dirty="0">
-                <a:solidFill>
-                  <a:srgbClr val="00B050"/>
-                </a:solidFill>
-              </a:rPr>
-              <a:t>BD</a:t>
-            </a:r>
-          </a:p>
-          <a:p>
-            <a:pPr lvl="1"/>
-            <a:r>
-              <a:rPr lang="fr-FR" dirty="0"/>
-              <a:t>Test génération sous </a:t>
-            </a:r>
-            <a:r>
-              <a:rPr lang="fr-FR" dirty="0" err="1"/>
-              <a:t>dataset</a:t>
-            </a:r>
-            <a:r>
-              <a:rPr lang="fr-FR" dirty="0"/>
-              <a:t> (</a:t>
-            </a:r>
-            <a:r>
-              <a:rPr lang="fr-FR" dirty="0" err="1"/>
-              <a:t>df_final</a:t>
-            </a:r>
-            <a:r>
-              <a:rPr lang="fr-FR" dirty="0"/>
-              <a:t>)</a:t>
-            </a:r>
-          </a:p>
-          <a:p>
-            <a:pPr lvl="1"/>
-            <a:endParaRPr lang="fr-FR" dirty="0"/>
-          </a:p>
-          <a:p>
-            <a:r>
-              <a:rPr lang="fr-FR" dirty="0"/>
-              <a:t>Test UX:</a:t>
-            </a:r>
-          </a:p>
-          <a:p>
-            <a:pPr lvl="1"/>
-            <a:r>
-              <a:rPr lang="fr-FR" dirty="0"/>
-              <a:t>Tester toute la boucle</a:t>
-            </a:r>
-          </a:p>
-        </p:txBody>
-      </p:sp>
-    </p:spTree>
-    <p:extLst>
-      <p:ext uri="{BB962C8B-B14F-4D97-AF65-F5344CB8AC3E}">
-        <p14:creationId xmlns:p14="http://schemas.microsoft.com/office/powerpoint/2010/main" val="2609158998"/>
-      </p:ext>
-    </p:extLst>
-  </p:cSld>
-  <p:clrMapOvr>
-    <a:masterClrMapping/>
-  </p:clrMapOvr>
-</p:sld>
-</file>
-
-<file path=ppt/slides/slide4.xml><?xml version="1.0" encoding="utf-8"?>
-<p:sld xmlns:a="http://schemas.openxmlformats.org/drawingml/2006/main" xmlns:r="http://schemas.openxmlformats.org/officeDocument/2006/relationships" xmlns:p="http://schemas.openxmlformats.org/presentationml/2006/main">
-  <p:cSld>
-    <p:spTree>
-      <p:nvGrpSpPr>
-        <p:cNvPr id="1" name=""/>
-        <p:cNvGrpSpPr/>
-        <p:nvPr/>
-      </p:nvGrpSpPr>
-      <p:grpSpPr>
-        <a:xfrm>
-          <a:off x="0" y="0"/>
-          <a:ext cx="0" cy="0"/>
-          <a:chOff x="0" y="0"/>
-          <a:chExt cx="0" cy="0"/>
-        </a:xfrm>
-      </p:grpSpPr>
       <p:graphicFrame>
         <p:nvGraphicFramePr>
           <p:cNvPr id="4" name="Tableau 4">
@@ -10980,7 +10641,7 @@
             <p:ph idx="1"/>
             <p:extLst>
               <p:ext uri="{D42A27DB-BD31-4B8C-83A1-F6EECF244321}">
-                <p14:modId xmlns:p14="http://schemas.microsoft.com/office/powerpoint/2010/main" val="2145900592"/>
+                <p14:modId xmlns:p14="http://schemas.microsoft.com/office/powerpoint/2010/main" val="844129928"/>
               </p:ext>
             </p:extLst>
           </p:nvPr>
@@ -11119,7 +10780,7 @@
                     <a:p>
                       <a:r>
                         <a:rPr lang="fr-FR" dirty="0"/>
-                        <a:t>Quartier</a:t>
+                        <a:t>Ville</a:t>
                       </a:r>
                     </a:p>
                   </a:txBody>
@@ -11222,7 +10883,7 @@
                     <a:p>
                       <a:r>
                         <a:rPr lang="fr-FR" dirty="0"/>
-                        <a:t>VH</a:t>
+                        <a:t>Grenoble</a:t>
                       </a:r>
                     </a:p>
                   </a:txBody>
@@ -11393,7 +11054,7 @@
         </p:nvSpPr>
         <p:spPr>
           <a:xfrm>
-            <a:off x="5322902" y="422848"/>
+            <a:off x="6729474" y="396647"/>
             <a:ext cx="1664677" cy="914400"/>
           </a:xfrm>
           <a:prstGeom prst="can">
@@ -11442,7 +11103,7 @@
         </p:nvSpPr>
         <p:spPr>
           <a:xfrm rot="5400000">
-            <a:off x="5341189" y="2201589"/>
+            <a:off x="6706027" y="2083069"/>
             <a:ext cx="1711570" cy="548326"/>
           </a:xfrm>
           <a:prstGeom prst="rightArrow">
@@ -11474,38 +11135,652 @@
           </a:p>
         </p:txBody>
       </p:sp>
-      <p:sp>
-        <p:nvSpPr>
-          <p:cNvPr id="2" name="ZoneTexte 1">
+      <p:graphicFrame>
+        <p:nvGraphicFramePr>
+          <p:cNvPr id="3" name="Tableau 4">
             <a:extLst>
               <a:ext uri="{FF2B5EF4-FFF2-40B4-BE49-F238E27FC236}">
-                <a16:creationId xmlns:a16="http://schemas.microsoft.com/office/drawing/2014/main" id="{883FB0C6-497D-18F9-722C-567E8B139A5D}"/>
+                <a16:creationId xmlns:a16="http://schemas.microsoft.com/office/drawing/2014/main" id="{D7BBE630-53FD-B445-6093-A1A39F1B0203}"/>
               </a:ext>
             </a:extLst>
           </p:cNvPr>
-          <p:cNvSpPr txBox="1"/>
+          <p:cNvGraphicFramePr>
+            <a:graphicFrameLocks/>
+          </p:cNvGraphicFramePr>
+          <p:nvPr>
+            <p:extLst>
+              <p:ext uri="{D42A27DB-BD31-4B8C-83A1-F6EECF244321}">
+                <p14:modId xmlns:p14="http://schemas.microsoft.com/office/powerpoint/2010/main" val="2184700996"/>
+              </p:ext>
+            </p:extLst>
+          </p:nvPr>
+        </p:nvGraphicFramePr>
+        <p:xfrm>
+          <a:off x="81787" y="283659"/>
+          <a:ext cx="4548402" cy="2093733"/>
+        </p:xfrm>
+        <a:graphic>
+          <a:graphicData uri="http://schemas.openxmlformats.org/drawingml/2006/table">
+            <a:tbl>
+              <a:tblPr firstRow="1" bandRow="1">
+                <a:tableStyleId>{5C22544A-7EE6-4342-B048-85BDC9FD1C3A}</a:tableStyleId>
+              </a:tblPr>
+              <a:tblGrid>
+                <a:gridCol w="758067">
+                  <a:extLst>
+                    <a:ext uri="{9D8B030D-6E8A-4147-A177-3AD203B41FA5}">
+                      <a16:colId xmlns:a16="http://schemas.microsoft.com/office/drawing/2014/main" val="1325986522"/>
+                    </a:ext>
+                  </a:extLst>
+                </a:gridCol>
+                <a:gridCol w="727358">
+                  <a:extLst>
+                    <a:ext uri="{9D8B030D-6E8A-4147-A177-3AD203B41FA5}">
+                      <a16:colId xmlns:a16="http://schemas.microsoft.com/office/drawing/2014/main" val="175619106"/>
+                    </a:ext>
+                  </a:extLst>
+                </a:gridCol>
+                <a:gridCol w="693850">
+                  <a:extLst>
+                    <a:ext uri="{9D8B030D-6E8A-4147-A177-3AD203B41FA5}">
+                      <a16:colId xmlns:a16="http://schemas.microsoft.com/office/drawing/2014/main" val="1963048779"/>
+                    </a:ext>
+                  </a:extLst>
+                </a:gridCol>
+                <a:gridCol w="945490">
+                  <a:extLst>
+                    <a:ext uri="{9D8B030D-6E8A-4147-A177-3AD203B41FA5}">
+                      <a16:colId xmlns:a16="http://schemas.microsoft.com/office/drawing/2014/main" val="807846418"/>
+                    </a:ext>
+                  </a:extLst>
+                </a:gridCol>
+                <a:gridCol w="941499">
+                  <a:extLst>
+                    <a:ext uri="{9D8B030D-6E8A-4147-A177-3AD203B41FA5}">
+                      <a16:colId xmlns:a16="http://schemas.microsoft.com/office/drawing/2014/main" val="3159168515"/>
+                    </a:ext>
+                  </a:extLst>
+                </a:gridCol>
+                <a:gridCol w="482138">
+                  <a:extLst>
+                    <a:ext uri="{9D8B030D-6E8A-4147-A177-3AD203B41FA5}">
+                      <a16:colId xmlns:a16="http://schemas.microsoft.com/office/drawing/2014/main" val="4037787368"/>
+                    </a:ext>
+                  </a:extLst>
+                </a:gridCol>
+              </a:tblGrid>
+              <a:tr h="275413">
+                <a:tc gridSpan="6">
+                  <a:txBody>
+                    <a:bodyPr/>
+                    <a:lstStyle/>
+                    <a:p>
+                      <a:pPr algn="ctr"/>
+                      <a:r>
+                        <a:rPr lang="fr-FR" sz="1400" dirty="0"/>
+                        <a:t>Transactions</a:t>
+                      </a:r>
+                    </a:p>
+                  </a:txBody>
+                  <a:tcPr anchor="ctr"/>
+                </a:tc>
+                <a:tc hMerge="1">
+                  <a:txBody>
+                    <a:bodyPr/>
+                    <a:lstStyle/>
+                    <a:p>
+                      <a:endParaRPr lang="fr-FR" dirty="0"/>
+                    </a:p>
+                  </a:txBody>
+                  <a:tcPr/>
+                </a:tc>
+                <a:tc hMerge="1">
+                  <a:txBody>
+                    <a:bodyPr/>
+                    <a:lstStyle/>
+                    <a:p>
+                      <a:endParaRPr lang="fr-FR"/>
+                    </a:p>
+                  </a:txBody>
+                  <a:tcPr/>
+                </a:tc>
+                <a:tc hMerge="1">
+                  <a:txBody>
+                    <a:bodyPr/>
+                    <a:lstStyle/>
+                    <a:p>
+                      <a:endParaRPr lang="fr-FR" dirty="0"/>
+                    </a:p>
+                  </a:txBody>
+                  <a:tcPr/>
+                </a:tc>
+                <a:tc hMerge="1">
+                  <a:txBody>
+                    <a:bodyPr/>
+                    <a:lstStyle/>
+                    <a:p>
+                      <a:endParaRPr lang="fr-FR" dirty="0"/>
+                    </a:p>
+                  </a:txBody>
+                  <a:tcPr/>
+                </a:tc>
+                <a:tc hMerge="1">
+                  <a:txBody>
+                    <a:bodyPr/>
+                    <a:lstStyle/>
+                    <a:p>
+                      <a:endParaRPr lang="fr-FR" dirty="0"/>
+                    </a:p>
+                  </a:txBody>
+                  <a:tcPr/>
+                </a:tc>
+                <a:extLst>
+                  <a:ext uri="{0D108BD9-81ED-4DB2-BD59-A6C34878D82A}">
+                    <a16:rowId xmlns:a16="http://schemas.microsoft.com/office/drawing/2014/main" val="3694127276"/>
+                  </a:ext>
+                </a:extLst>
+              </a:tr>
+              <a:tr h="291390">
+                <a:tc>
+                  <a:txBody>
+                    <a:bodyPr/>
+                    <a:lstStyle/>
+                    <a:p>
+                      <a:r>
+                        <a:rPr lang="fr-FR" sz="1000" dirty="0" err="1"/>
+                        <a:t>Id_transaction</a:t>
+                      </a:r>
+                      <a:endParaRPr lang="fr-FR" sz="1000" dirty="0"/>
+                    </a:p>
+                  </a:txBody>
+                  <a:tcPr/>
+                </a:tc>
+                <a:tc>
+                  <a:txBody>
+                    <a:bodyPr/>
+                    <a:lstStyle/>
+                    <a:p>
+                      <a:r>
+                        <a:rPr lang="fr-FR" sz="1000" dirty="0"/>
+                        <a:t>date</a:t>
+                      </a:r>
+                    </a:p>
+                  </a:txBody>
+                  <a:tcPr/>
+                </a:tc>
+                <a:tc>
+                  <a:txBody>
+                    <a:bodyPr/>
+                    <a:lstStyle/>
+                    <a:p>
+                      <a:r>
+                        <a:rPr lang="fr-FR" sz="1000" dirty="0"/>
+                        <a:t>Prix_m2</a:t>
+                      </a:r>
+                    </a:p>
+                  </a:txBody>
+                  <a:tcPr/>
+                </a:tc>
+                <a:tc>
+                  <a:txBody>
+                    <a:bodyPr/>
+                    <a:lstStyle/>
+                    <a:p>
+                      <a:pPr marL="0" marR="0" lvl="0" indent="0" algn="l" defTabSz="914400" rtl="0" eaLnBrk="1" fontAlgn="auto" latinLnBrk="0" hangingPunct="1">
+                        <a:lnSpc>
+                          <a:spcPct val="100000"/>
+                        </a:lnSpc>
+                        <a:spcBef>
+                          <a:spcPts val="0"/>
+                        </a:spcBef>
+                        <a:spcAft>
+                          <a:spcPts val="0"/>
+                        </a:spcAft>
+                        <a:buClrTx/>
+                        <a:buSzTx/>
+                        <a:buFontTx/>
+                        <a:buNone/>
+                        <a:tabLst/>
+                        <a:defRPr/>
+                      </a:pPr>
+                      <a:r>
+                        <a:rPr lang="fr-FR" sz="1000" dirty="0"/>
+                        <a:t>NOM_COM</a:t>
+                      </a:r>
+                    </a:p>
+                  </a:txBody>
+                  <a:tcPr/>
+                </a:tc>
+                <a:tc>
+                  <a:txBody>
+                    <a:bodyPr/>
+                    <a:lstStyle/>
+                    <a:p>
+                      <a:r>
+                        <a:rPr lang="fr-FR" sz="1000" dirty="0"/>
+                        <a:t>Quartier</a:t>
+                      </a:r>
+                    </a:p>
+                  </a:txBody>
+                  <a:tcPr/>
+                </a:tc>
+                <a:tc>
+                  <a:txBody>
+                    <a:bodyPr/>
+                    <a:lstStyle/>
+                    <a:p>
+                      <a:r>
+                        <a:rPr lang="fr-FR" sz="1000" dirty="0"/>
+                        <a:t>…</a:t>
+                      </a:r>
+                    </a:p>
+                  </a:txBody>
+                  <a:tcPr/>
+                </a:tc>
+                <a:extLst>
+                  <a:ext uri="{0D108BD9-81ED-4DB2-BD59-A6C34878D82A}">
+                    <a16:rowId xmlns:a16="http://schemas.microsoft.com/office/drawing/2014/main" val="33842835"/>
+                  </a:ext>
+                </a:extLst>
+              </a:tr>
+              <a:tr h="464231">
+                <a:tc>
+                  <a:txBody>
+                    <a:bodyPr/>
+                    <a:lstStyle/>
+                    <a:p>
+                      <a:r>
+                        <a:rPr lang="fr-FR" sz="1000" dirty="0"/>
+                        <a:t>1</a:t>
+                      </a:r>
+                    </a:p>
+                  </a:txBody>
+                  <a:tcPr/>
+                </a:tc>
+                <a:tc>
+                  <a:txBody>
+                    <a:bodyPr/>
+                    <a:lstStyle/>
+                    <a:p>
+                      <a:r>
+                        <a:rPr lang="fr-FR" sz="1000" dirty="0"/>
+                        <a:t>01/02/2021</a:t>
+                      </a:r>
+                    </a:p>
+                  </a:txBody>
+                  <a:tcPr/>
+                </a:tc>
+                <a:tc>
+                  <a:txBody>
+                    <a:bodyPr/>
+                    <a:lstStyle/>
+                    <a:p>
+                      <a:r>
+                        <a:rPr lang="fr-FR" sz="1000" dirty="0"/>
+                        <a:t>2430</a:t>
+                      </a:r>
+                    </a:p>
+                    <a:p>
+                      <a:endParaRPr lang="fr-FR" sz="1000" dirty="0"/>
+                    </a:p>
+                  </a:txBody>
+                  <a:tcPr/>
+                </a:tc>
+                <a:tc>
+                  <a:txBody>
+                    <a:bodyPr/>
+                    <a:lstStyle/>
+                    <a:p>
+                      <a:r>
+                        <a:rPr lang="fr-FR" sz="1000" dirty="0"/>
+                        <a:t>GRENOBLE</a:t>
+                      </a:r>
+                    </a:p>
+                  </a:txBody>
+                  <a:tcPr/>
+                </a:tc>
+                <a:tc>
+                  <a:txBody>
+                    <a:bodyPr/>
+                    <a:lstStyle/>
+                    <a:p>
+                      <a:r>
+                        <a:rPr lang="fr-FR" sz="1000" dirty="0"/>
+                        <a:t>EUROPOLE</a:t>
+                      </a:r>
+                    </a:p>
+                  </a:txBody>
+                  <a:tcPr/>
+                </a:tc>
+                <a:tc>
+                  <a:txBody>
+                    <a:bodyPr/>
+                    <a:lstStyle/>
+                    <a:p>
+                      <a:endParaRPr lang="fr-FR" sz="1000" dirty="0"/>
+                    </a:p>
+                  </a:txBody>
+                  <a:tcPr/>
+                </a:tc>
+                <a:extLst>
+                  <a:ext uri="{0D108BD9-81ED-4DB2-BD59-A6C34878D82A}">
+                    <a16:rowId xmlns:a16="http://schemas.microsoft.com/office/drawing/2014/main" val="3581961893"/>
+                  </a:ext>
+                </a:extLst>
+              </a:tr>
+              <a:tr h="464231">
+                <a:tc>
+                  <a:txBody>
+                    <a:bodyPr/>
+                    <a:lstStyle/>
+                    <a:p>
+                      <a:r>
+                        <a:rPr lang="fr-FR" sz="1000" dirty="0"/>
+                        <a:t>2</a:t>
+                      </a:r>
+                    </a:p>
+                  </a:txBody>
+                  <a:tcPr/>
+                </a:tc>
+                <a:tc>
+                  <a:txBody>
+                    <a:bodyPr/>
+                    <a:lstStyle/>
+                    <a:p>
+                      <a:r>
+                        <a:rPr lang="fr-FR" sz="1000" dirty="0"/>
+                        <a:t>15/05/2022</a:t>
+                      </a:r>
+                    </a:p>
+                  </a:txBody>
+                  <a:tcPr/>
+                </a:tc>
+                <a:tc>
+                  <a:txBody>
+                    <a:bodyPr/>
+                    <a:lstStyle/>
+                    <a:p>
+                      <a:r>
+                        <a:rPr lang="fr-FR" sz="1000" dirty="0"/>
+                        <a:t>2800</a:t>
+                      </a:r>
+                    </a:p>
+                  </a:txBody>
+                  <a:tcPr/>
+                </a:tc>
+                <a:tc>
+                  <a:txBody>
+                    <a:bodyPr/>
+                    <a:lstStyle/>
+                    <a:p>
+                      <a:r>
+                        <a:rPr lang="fr-FR" sz="1000" dirty="0"/>
+                        <a:t>GRENOBLE</a:t>
+                      </a:r>
+                    </a:p>
+                  </a:txBody>
+                  <a:tcPr/>
+                </a:tc>
+                <a:tc>
+                  <a:txBody>
+                    <a:bodyPr/>
+                    <a:lstStyle/>
+                    <a:p>
+                      <a:r>
+                        <a:rPr lang="fr-FR" sz="1000" dirty="0"/>
+                        <a:t>EUROPOLE</a:t>
+                      </a:r>
+                    </a:p>
+                  </a:txBody>
+                  <a:tcPr/>
+                </a:tc>
+                <a:tc>
+                  <a:txBody>
+                    <a:bodyPr/>
+                    <a:lstStyle/>
+                    <a:p>
+                      <a:endParaRPr lang="fr-FR" sz="1000" dirty="0"/>
+                    </a:p>
+                  </a:txBody>
+                  <a:tcPr/>
+                </a:tc>
+                <a:extLst>
+                  <a:ext uri="{0D108BD9-81ED-4DB2-BD59-A6C34878D82A}">
+                    <a16:rowId xmlns:a16="http://schemas.microsoft.com/office/drawing/2014/main" val="3064742023"/>
+                  </a:ext>
+                </a:extLst>
+              </a:tr>
+              <a:tr h="464231">
+                <a:tc>
+                  <a:txBody>
+                    <a:bodyPr/>
+                    <a:lstStyle/>
+                    <a:p>
+                      <a:r>
+                        <a:rPr lang="fr-FR" sz="1000" dirty="0"/>
+                        <a:t>…</a:t>
+                      </a:r>
+                    </a:p>
+                  </a:txBody>
+                  <a:tcPr/>
+                </a:tc>
+                <a:tc>
+                  <a:txBody>
+                    <a:bodyPr/>
+                    <a:lstStyle/>
+                    <a:p>
+                      <a:pPr marL="0" marR="0" lvl="0" indent="0" algn="l" defTabSz="914400" rtl="0" eaLnBrk="1" fontAlgn="auto" latinLnBrk="0" hangingPunct="1">
+                        <a:lnSpc>
+                          <a:spcPct val="100000"/>
+                        </a:lnSpc>
+                        <a:spcBef>
+                          <a:spcPts val="0"/>
+                        </a:spcBef>
+                        <a:spcAft>
+                          <a:spcPts val="0"/>
+                        </a:spcAft>
+                        <a:buClrTx/>
+                        <a:buSzTx/>
+                        <a:buFontTx/>
+                        <a:buNone/>
+                        <a:tabLst/>
+                        <a:defRPr/>
+                      </a:pPr>
+                      <a:r>
+                        <a:rPr lang="fr-FR" sz="1000" dirty="0"/>
+                        <a:t>…</a:t>
+                      </a:r>
+                    </a:p>
+                    <a:p>
+                      <a:endParaRPr lang="fr-FR" sz="1000" dirty="0"/>
+                    </a:p>
+                  </a:txBody>
+                  <a:tcPr/>
+                </a:tc>
+                <a:tc>
+                  <a:txBody>
+                    <a:bodyPr/>
+                    <a:lstStyle/>
+                    <a:p>
+                      <a:pPr marL="0" marR="0" lvl="0" indent="0" algn="l" defTabSz="914400" rtl="0" eaLnBrk="1" fontAlgn="auto" latinLnBrk="0" hangingPunct="1">
+                        <a:lnSpc>
+                          <a:spcPct val="100000"/>
+                        </a:lnSpc>
+                        <a:spcBef>
+                          <a:spcPts val="0"/>
+                        </a:spcBef>
+                        <a:spcAft>
+                          <a:spcPts val="0"/>
+                        </a:spcAft>
+                        <a:buClrTx/>
+                        <a:buSzTx/>
+                        <a:buFontTx/>
+                        <a:buNone/>
+                        <a:tabLst/>
+                        <a:defRPr/>
+                      </a:pPr>
+                      <a:r>
+                        <a:rPr lang="fr-FR" sz="1000" dirty="0"/>
+                        <a:t>…</a:t>
+                      </a:r>
+                    </a:p>
+                    <a:p>
+                      <a:endParaRPr lang="fr-FR" sz="1000" dirty="0"/>
+                    </a:p>
+                  </a:txBody>
+                  <a:tcPr/>
+                </a:tc>
+                <a:tc>
+                  <a:txBody>
+                    <a:bodyPr/>
+                    <a:lstStyle/>
+                    <a:p>
+                      <a:pPr marL="0" marR="0" lvl="0" indent="0" algn="l" defTabSz="914400" rtl="0" eaLnBrk="1" fontAlgn="auto" latinLnBrk="0" hangingPunct="1">
+                        <a:lnSpc>
+                          <a:spcPct val="100000"/>
+                        </a:lnSpc>
+                        <a:spcBef>
+                          <a:spcPts val="0"/>
+                        </a:spcBef>
+                        <a:spcAft>
+                          <a:spcPts val="0"/>
+                        </a:spcAft>
+                        <a:buClrTx/>
+                        <a:buSzTx/>
+                        <a:buFontTx/>
+                        <a:buNone/>
+                        <a:tabLst/>
+                        <a:defRPr/>
+                      </a:pPr>
+                      <a:r>
+                        <a:rPr lang="fr-FR" sz="1000" dirty="0"/>
+                        <a:t>…</a:t>
+                      </a:r>
+                    </a:p>
+                    <a:p>
+                      <a:endParaRPr lang="fr-FR" sz="1000" dirty="0"/>
+                    </a:p>
+                  </a:txBody>
+                  <a:tcPr/>
+                </a:tc>
+                <a:tc>
+                  <a:txBody>
+                    <a:bodyPr/>
+                    <a:lstStyle/>
+                    <a:p>
+                      <a:pPr marL="0" marR="0" lvl="0" indent="0" algn="l" defTabSz="914400" rtl="0" eaLnBrk="1" fontAlgn="auto" latinLnBrk="0" hangingPunct="1">
+                        <a:lnSpc>
+                          <a:spcPct val="100000"/>
+                        </a:lnSpc>
+                        <a:spcBef>
+                          <a:spcPts val="0"/>
+                        </a:spcBef>
+                        <a:spcAft>
+                          <a:spcPts val="0"/>
+                        </a:spcAft>
+                        <a:buClrTx/>
+                        <a:buSzTx/>
+                        <a:buFontTx/>
+                        <a:buNone/>
+                        <a:tabLst/>
+                        <a:defRPr/>
+                      </a:pPr>
+                      <a:r>
+                        <a:rPr lang="fr-FR" sz="1000" dirty="0"/>
+                        <a:t>…</a:t>
+                      </a:r>
+                    </a:p>
+                    <a:p>
+                      <a:endParaRPr lang="fr-FR" sz="1000" dirty="0"/>
+                    </a:p>
+                  </a:txBody>
+                  <a:tcPr/>
+                </a:tc>
+                <a:tc>
+                  <a:txBody>
+                    <a:bodyPr/>
+                    <a:lstStyle/>
+                    <a:p>
+                      <a:pPr marL="0" marR="0" lvl="0" indent="0" algn="l" defTabSz="914400" rtl="0" eaLnBrk="1" fontAlgn="auto" latinLnBrk="0" hangingPunct="1">
+                        <a:lnSpc>
+                          <a:spcPct val="100000"/>
+                        </a:lnSpc>
+                        <a:spcBef>
+                          <a:spcPts val="0"/>
+                        </a:spcBef>
+                        <a:spcAft>
+                          <a:spcPts val="0"/>
+                        </a:spcAft>
+                        <a:buClrTx/>
+                        <a:buSzTx/>
+                        <a:buFontTx/>
+                        <a:buNone/>
+                        <a:tabLst/>
+                        <a:defRPr/>
+                      </a:pPr>
+                      <a:r>
+                        <a:rPr lang="fr-FR" sz="1000" dirty="0"/>
+                        <a:t>…</a:t>
+                      </a:r>
+                    </a:p>
+                    <a:p>
+                      <a:endParaRPr lang="fr-FR" sz="1000" dirty="0"/>
+                    </a:p>
+                  </a:txBody>
+                  <a:tcPr/>
+                </a:tc>
+                <a:extLst>
+                  <a:ext uri="{0D108BD9-81ED-4DB2-BD59-A6C34878D82A}">
+                    <a16:rowId xmlns:a16="http://schemas.microsoft.com/office/drawing/2014/main" val="4094780867"/>
+                  </a:ext>
+                </a:extLst>
+              </a:tr>
+            </a:tbl>
+          </a:graphicData>
+        </a:graphic>
+      </p:graphicFrame>
+      <p:sp>
+        <p:nvSpPr>
+          <p:cNvPr id="7" name="Flèche : droite 6">
+            <a:extLst>
+              <a:ext uri="{FF2B5EF4-FFF2-40B4-BE49-F238E27FC236}">
+                <a16:creationId xmlns:a16="http://schemas.microsoft.com/office/drawing/2014/main" id="{2268838A-F80A-28A3-2886-F1A6942FACCB}"/>
+              </a:ext>
+            </a:extLst>
+          </p:cNvPr>
+          <p:cNvSpPr/>
           <p:nvPr/>
         </p:nvSpPr>
         <p:spPr>
           <a:xfrm>
-            <a:off x="6340254" y="2106420"/>
-            <a:ext cx="1294650" cy="369332"/>
+            <a:off x="4744013" y="824257"/>
+            <a:ext cx="1711570" cy="548305"/>
           </a:xfrm>
-          <a:prstGeom prst="rect">
+          <a:prstGeom prst="rightArrow">
             <a:avLst/>
           </a:prstGeom>
-          <a:noFill/>
         </p:spPr>
+        <p:style>
+          <a:lnRef idx="2">
+            <a:schemeClr val="accent1">
+              <a:shade val="50000"/>
+            </a:schemeClr>
+          </a:lnRef>
+          <a:fillRef idx="1">
+            <a:schemeClr val="accent1"/>
+          </a:fillRef>
+          <a:effectRef idx="0">
+            <a:schemeClr val="accent1"/>
+          </a:effectRef>
+          <a:fontRef idx="minor">
+            <a:schemeClr val="lt1"/>
+          </a:fontRef>
+        </p:style>
         <p:txBody>
-          <a:bodyPr wrap="none" rtlCol="0">
-            <a:spAutoFit/>
-          </a:bodyPr>
+          <a:bodyPr rtlCol="0" anchor="ctr"/>
           <a:lstStyle/>
           <a:p>
-            <a:r>
-              <a:rPr lang="fr-FR" dirty="0" err="1"/>
-              <a:t>aggregation</a:t>
-            </a:r>
+            <a:pPr algn="ctr"/>
             <a:endParaRPr lang="fr-FR" dirty="0"/>
           </a:p>
         </p:txBody>
@@ -11523,7 +11798,7 @@
 </p:sld>
 </file>
 
-<file path=ppt/slides/slide5.xml><?xml version="1.0" encoding="utf-8"?>
+<file path=ppt/slides/slide3.xml><?xml version="1.0" encoding="utf-8"?>
 <p:sld xmlns:a="http://schemas.openxmlformats.org/drawingml/2006/main" xmlns:r="http://schemas.openxmlformats.org/officeDocument/2006/relationships" xmlns:p="http://schemas.openxmlformats.org/presentationml/2006/main">
   <p:cSld>
     <p:spTree>
@@ -11564,9 +11839,20 @@
         </p:spPr>
         <p:txBody>
           <a:bodyPr>
-            <a:normAutofit fontScale="92500" lnSpcReduction="20000"/>
+            <a:normAutofit fontScale="77500" lnSpcReduction="20000"/>
           </a:bodyPr>
           <a:lstStyle/>
+          <a:p>
+            <a:pPr marL="514350" indent="-514350">
+              <a:buFont typeface="+mj-lt"/>
+              <a:buAutoNum type="arabicPeriod"/>
+            </a:pPr>
+            <a:r>
+              <a:rPr lang="fr-FR" dirty="0" err="1"/>
+              <a:t>Test_connexion</a:t>
+            </a:r>
+            <a:endParaRPr lang="fr-FR" dirty="0"/>
+          </a:p>
           <a:p>
             <a:pPr marL="514350" indent="-514350">
               <a:buFont typeface="+mj-lt"/>
@@ -11583,9 +11869,21 @@
               <a:buAutoNum type="arabicPeriod"/>
             </a:pPr>
             <a:r>
-              <a:rPr lang="fr-FR" dirty="0"/>
-              <a:t>Jointure spatiale quartier</a:t>
+              <a:rPr lang="fr-FR" dirty="0" err="1"/>
+              <a:t>Générer_tdb_ville</a:t>
             </a:r>
+            <a:endParaRPr lang="fr-FR" dirty="0"/>
+          </a:p>
+          <a:p>
+            <a:pPr marL="514350" indent="-514350">
+              <a:buFont typeface="+mj-lt"/>
+              <a:buAutoNum type="arabicPeriod"/>
+            </a:pPr>
+            <a:r>
+              <a:rPr lang="fr-FR" dirty="0" err="1"/>
+              <a:t>Get_metrics</a:t>
+            </a:r>
+            <a:endParaRPr lang="fr-FR" dirty="0"/>
           </a:p>
           <a:p>
             <a:pPr marL="514350" indent="-514350">
@@ -11594,7 +11892,7 @@
             </a:pPr>
             <a:r>
               <a:rPr lang="fr-FR" dirty="0"/>
-              <a:t>Test unitaire </a:t>
+              <a:t>Test unitaire</a:t>
             </a:r>
           </a:p>
           <a:p>
@@ -11603,27 +11901,8 @@
               <a:buAutoNum type="arabicPeriod"/>
             </a:pPr>
             <a:r>
-              <a:rPr lang="fr-FR" dirty="0"/>
-              <a:t>Générer table </a:t>
-            </a:r>
-            <a:r>
               <a:rPr lang="fr-FR" dirty="0" err="1"/>
-              <a:t>tdb_quartier</a:t>
-            </a:r>
-            <a:endParaRPr lang="fr-FR" dirty="0"/>
-          </a:p>
-          <a:p>
-            <a:pPr marL="514350" indent="-514350">
-              <a:buFont typeface="+mj-lt"/>
-              <a:buAutoNum type="arabicPeriod"/>
-            </a:pPr>
-            <a:r>
-              <a:rPr lang="fr-FR" dirty="0"/>
-              <a:t>Test </a:t>
-            </a:r>
-            <a:r>
-              <a:rPr lang="fr-FR" dirty="0" err="1"/>
-              <a:t>tdb_quartier</a:t>
+              <a:t>Write_metrics</a:t>
             </a:r>
             <a:endParaRPr lang="fr-FR" dirty="0"/>
           </a:p>
@@ -11647,8 +11926,8 @@
         </p:nvSpPr>
         <p:spPr>
           <a:xfrm flipH="1">
-            <a:off x="838200" y="365125"/>
-            <a:ext cx="10515600" cy="1325563"/>
+            <a:off x="838200" y="677041"/>
+            <a:ext cx="10515600" cy="701731"/>
           </a:xfrm>
           <a:prstGeom prst="rect">
             <a:avLst/>
@@ -11662,8 +11941,12 @@
           <a:lstStyle/>
           <a:p>
             <a:r>
+              <a:rPr lang="fr-FR" dirty="0" err="1"/>
+              <a:t>Immo_dag</a:t>
+            </a:r>
+            <a:r>
               <a:rPr lang="fr-FR" dirty="0"/>
-              <a:t>import_new_datasets()</a:t>
+              <a:t>()</a:t>
             </a:r>
           </a:p>
         </p:txBody>
@@ -11681,706 +11964,7 @@
 </p:sld>
 </file>
 
-<file path=ppt/slides/slide6.xml><?xml version="1.0" encoding="utf-8"?>
-<p:sld xmlns:a="http://schemas.openxmlformats.org/drawingml/2006/main" xmlns:r="http://schemas.openxmlformats.org/officeDocument/2006/relationships" xmlns:p="http://schemas.openxmlformats.org/presentationml/2006/main">
-  <p:cSld>
-    <p:spTree>
-      <p:nvGrpSpPr>
-        <p:cNvPr id="1" name=""/>
-        <p:cNvGrpSpPr/>
-        <p:nvPr/>
-      </p:nvGrpSpPr>
-      <p:grpSpPr>
-        <a:xfrm>
-          <a:off x="0" y="0"/>
-          <a:ext cx="0" cy="0"/>
-          <a:chOff x="0" y="0"/>
-          <a:chExt cx="0" cy="0"/>
-        </a:xfrm>
-      </p:grpSpPr>
-      <p:sp>
-        <p:nvSpPr>
-          <p:cNvPr id="2" name="Titre 1">
-            <a:extLst>
-              <a:ext uri="{FF2B5EF4-FFF2-40B4-BE49-F238E27FC236}">
-                <a16:creationId xmlns:a16="http://schemas.microsoft.com/office/drawing/2014/main" id="{FD611C20-16D2-F08E-D6F8-E49783AE2E87}"/>
-              </a:ext>
-            </a:extLst>
-          </p:cNvPr>
-          <p:cNvSpPr>
-            <a:spLocks noGrp="1"/>
-          </p:cNvSpPr>
-          <p:nvPr>
-            <p:ph type="title"/>
-          </p:nvPr>
-        </p:nvSpPr>
-        <p:spPr/>
-        <p:txBody>
-          <a:bodyPr/>
-          <a:lstStyle/>
-          <a:p>
-            <a:endParaRPr lang="fr-FR" dirty="0"/>
-          </a:p>
-        </p:txBody>
-      </p:sp>
-      <p:sp>
-        <p:nvSpPr>
-          <p:cNvPr id="3" name="Espace réservé du contenu 2">
-            <a:extLst>
-              <a:ext uri="{FF2B5EF4-FFF2-40B4-BE49-F238E27FC236}">
-                <a16:creationId xmlns:a16="http://schemas.microsoft.com/office/drawing/2014/main" id="{E996D02A-E1CD-63C3-E18F-77099FF75BF5}"/>
-              </a:ext>
-            </a:extLst>
-          </p:cNvPr>
-          <p:cNvSpPr>
-            <a:spLocks noGrp="1"/>
-          </p:cNvSpPr>
-          <p:nvPr>
-            <p:ph idx="1"/>
-          </p:nvPr>
-        </p:nvSpPr>
-        <p:spPr>
-          <a:xfrm>
-            <a:off x="838200" y="1980370"/>
-            <a:ext cx="3522785" cy="4351338"/>
-          </a:xfrm>
-        </p:spPr>
-        <p:txBody>
-          <a:bodyPr>
-            <a:normAutofit/>
-          </a:bodyPr>
-          <a:lstStyle/>
-          <a:p>
-            <a:pPr marL="0" indent="0">
-              <a:buNone/>
-            </a:pPr>
-            <a:r>
-              <a:rPr lang="fr-FR" dirty="0" err="1"/>
-              <a:t>Dags</a:t>
-            </a:r>
-            <a:r>
-              <a:rPr lang="fr-FR" dirty="0"/>
-              <a:t> =&gt; </a:t>
-            </a:r>
-            <a:r>
-              <a:rPr lang="fr-FR" dirty="0" err="1"/>
-              <a:t>Airflow</a:t>
-            </a:r>
-            <a:endParaRPr lang="fr-FR" dirty="0"/>
-          </a:p>
-          <a:p>
-            <a:pPr marL="0" indent="0">
-              <a:buNone/>
-            </a:pPr>
-            <a:r>
-              <a:rPr lang="fr-FR" dirty="0" err="1"/>
-              <a:t>Import_new_dataset</a:t>
-            </a:r>
-            <a:r>
-              <a:rPr lang="fr-FR" dirty="0"/>
-              <a:t>:</a:t>
-            </a:r>
-          </a:p>
-          <a:p>
-            <a:pPr marL="514350" indent="-514350">
-              <a:buFont typeface="+mj-lt"/>
-              <a:buAutoNum type="arabicPeriod"/>
-            </a:pPr>
-            <a:r>
-              <a:rPr lang="fr-FR" sz="2000" dirty="0"/>
-              <a:t>Import des données</a:t>
-            </a:r>
-          </a:p>
-          <a:p>
-            <a:pPr marL="514350" indent="-514350">
-              <a:buFont typeface="+mj-lt"/>
-              <a:buAutoNum type="arabicPeriod"/>
-            </a:pPr>
-            <a:r>
-              <a:rPr lang="fr-FR" sz="2000" dirty="0"/>
-              <a:t>Jointure spatiale quartier</a:t>
-            </a:r>
-          </a:p>
-          <a:p>
-            <a:pPr marL="514350" indent="-514350">
-              <a:buFont typeface="+mj-lt"/>
-              <a:buAutoNum type="arabicPeriod"/>
-            </a:pPr>
-            <a:r>
-              <a:rPr lang="fr-FR" sz="2000" dirty="0"/>
-              <a:t>Tests unitaires </a:t>
-            </a:r>
-          </a:p>
-          <a:p>
-            <a:pPr marL="514350" indent="-514350">
-              <a:buFont typeface="+mj-lt"/>
-              <a:buAutoNum type="arabicPeriod"/>
-            </a:pPr>
-            <a:r>
-              <a:rPr lang="fr-FR" sz="2000" dirty="0"/>
-              <a:t>Générer table </a:t>
-            </a:r>
-            <a:r>
-              <a:rPr lang="fr-FR" sz="2000" dirty="0" err="1"/>
-              <a:t>tdb_quartier</a:t>
-            </a:r>
-            <a:endParaRPr lang="fr-FR" sz="2000" dirty="0"/>
-          </a:p>
-          <a:p>
-            <a:pPr marL="514350" indent="-514350">
-              <a:buFont typeface="+mj-lt"/>
-              <a:buAutoNum type="arabicPeriod"/>
-            </a:pPr>
-            <a:r>
-              <a:rPr lang="fr-FR" sz="2000" dirty="0"/>
-              <a:t>Test </a:t>
-            </a:r>
-            <a:r>
-              <a:rPr lang="fr-FR" sz="2000" dirty="0" err="1"/>
-              <a:t>tdb_quartier</a:t>
-            </a:r>
-            <a:endParaRPr lang="fr-FR" sz="2000" dirty="0"/>
-          </a:p>
-          <a:p>
-            <a:pPr marL="0" indent="0">
-              <a:buNone/>
-            </a:pPr>
-            <a:r>
-              <a:rPr lang="fr-FR" dirty="0"/>
-              <a:t> </a:t>
-            </a:r>
-          </a:p>
-        </p:txBody>
-      </p:sp>
-      <p:sp>
-        <p:nvSpPr>
-          <p:cNvPr id="4" name="Espace réservé du contenu 2">
-            <a:extLst>
-              <a:ext uri="{FF2B5EF4-FFF2-40B4-BE49-F238E27FC236}">
-                <a16:creationId xmlns:a16="http://schemas.microsoft.com/office/drawing/2014/main" id="{F9A2E2CD-2221-609A-8CFD-9ACF1432C276}"/>
-              </a:ext>
-            </a:extLst>
-          </p:cNvPr>
-          <p:cNvSpPr txBox="1">
-            <a:spLocks/>
-          </p:cNvSpPr>
-          <p:nvPr/>
-        </p:nvSpPr>
-        <p:spPr>
-          <a:xfrm>
-            <a:off x="6702671" y="1980370"/>
-            <a:ext cx="5226733" cy="3252812"/>
-          </a:xfrm>
-          <a:prstGeom prst="rect">
-            <a:avLst/>
-          </a:prstGeom>
-        </p:spPr>
-        <p:txBody>
-          <a:bodyPr vert="horz" lIns="91440" tIns="45720" rIns="91440" bIns="45720" rtlCol="0">
-            <a:normAutofit/>
-          </a:bodyPr>
-          <a:lstStyle>
-            <a:lvl1pPr marL="228600" indent="-228600" algn="l" defTabSz="914400" rtl="0" eaLnBrk="1" latinLnBrk="0" hangingPunct="1">
-              <a:lnSpc>
-                <a:spcPct val="90000"/>
-              </a:lnSpc>
-              <a:spcBef>
-                <a:spcPts val="1000"/>
-              </a:spcBef>
-              <a:buFont typeface="Arial" panose="020B0604020202020204" pitchFamily="34" charset="0"/>
-              <a:buChar char="•"/>
-              <a:defRPr sz="2800" kern="1200">
-                <a:solidFill>
-                  <a:schemeClr val="tx1"/>
-                </a:solidFill>
-                <a:latin typeface="+mn-lt"/>
-                <a:ea typeface="+mn-ea"/>
-                <a:cs typeface="+mn-cs"/>
-              </a:defRPr>
-            </a:lvl1pPr>
-            <a:lvl2pPr marL="685800" indent="-228600" algn="l" defTabSz="914400" rtl="0" eaLnBrk="1" latinLnBrk="0" hangingPunct="1">
-              <a:lnSpc>
-                <a:spcPct val="90000"/>
-              </a:lnSpc>
-              <a:spcBef>
-                <a:spcPts val="500"/>
-              </a:spcBef>
-              <a:buFont typeface="Arial" panose="020B0604020202020204" pitchFamily="34" charset="0"/>
-              <a:buChar char="•"/>
-              <a:defRPr sz="2400" kern="1200">
-                <a:solidFill>
-                  <a:schemeClr val="tx1"/>
-                </a:solidFill>
-                <a:latin typeface="+mn-lt"/>
-                <a:ea typeface="+mn-ea"/>
-                <a:cs typeface="+mn-cs"/>
-              </a:defRPr>
-            </a:lvl2pPr>
-            <a:lvl3pPr marL="1143000" indent="-228600" algn="l" defTabSz="914400" rtl="0" eaLnBrk="1" latinLnBrk="0" hangingPunct="1">
-              <a:lnSpc>
-                <a:spcPct val="90000"/>
-              </a:lnSpc>
-              <a:spcBef>
-                <a:spcPts val="500"/>
-              </a:spcBef>
-              <a:buFont typeface="Arial" panose="020B0604020202020204" pitchFamily="34" charset="0"/>
-              <a:buChar char="•"/>
-              <a:defRPr sz="2000" kern="1200">
-                <a:solidFill>
-                  <a:schemeClr val="tx1"/>
-                </a:solidFill>
-                <a:latin typeface="+mn-lt"/>
-                <a:ea typeface="+mn-ea"/>
-                <a:cs typeface="+mn-cs"/>
-              </a:defRPr>
-            </a:lvl3pPr>
-            <a:lvl4pPr marL="1600200" indent="-228600" algn="l" defTabSz="914400" rtl="0" eaLnBrk="1" latinLnBrk="0" hangingPunct="1">
-              <a:lnSpc>
-                <a:spcPct val="90000"/>
-              </a:lnSpc>
-              <a:spcBef>
-                <a:spcPts val="500"/>
-              </a:spcBef>
-              <a:buFont typeface="Arial" panose="020B0604020202020204" pitchFamily="34" charset="0"/>
-              <a:buChar char="•"/>
-              <a:defRPr sz="1800" kern="1200">
-                <a:solidFill>
-                  <a:schemeClr val="tx1"/>
-                </a:solidFill>
-                <a:latin typeface="+mn-lt"/>
-                <a:ea typeface="+mn-ea"/>
-                <a:cs typeface="+mn-cs"/>
-              </a:defRPr>
-            </a:lvl4pPr>
-            <a:lvl5pPr marL="2057400" indent="-228600" algn="l" defTabSz="914400" rtl="0" eaLnBrk="1" latinLnBrk="0" hangingPunct="1">
-              <a:lnSpc>
-                <a:spcPct val="90000"/>
-              </a:lnSpc>
-              <a:spcBef>
-                <a:spcPts val="500"/>
-              </a:spcBef>
-              <a:buFont typeface="Arial" panose="020B0604020202020204" pitchFamily="34" charset="0"/>
-              <a:buChar char="•"/>
-              <a:defRPr sz="1800" kern="1200">
-                <a:solidFill>
-                  <a:schemeClr val="tx1"/>
-                </a:solidFill>
-                <a:latin typeface="+mn-lt"/>
-                <a:ea typeface="+mn-ea"/>
-                <a:cs typeface="+mn-cs"/>
-              </a:defRPr>
-            </a:lvl5pPr>
-            <a:lvl6pPr marL="2514600" indent="-228600" algn="l" defTabSz="914400" rtl="0" eaLnBrk="1" latinLnBrk="0" hangingPunct="1">
-              <a:lnSpc>
-                <a:spcPct val="90000"/>
-              </a:lnSpc>
-              <a:spcBef>
-                <a:spcPts val="500"/>
-              </a:spcBef>
-              <a:buFont typeface="Arial" panose="020B0604020202020204" pitchFamily="34" charset="0"/>
-              <a:buChar char="•"/>
-              <a:defRPr sz="1800" kern="1200">
-                <a:solidFill>
-                  <a:schemeClr val="tx1"/>
-                </a:solidFill>
-                <a:latin typeface="+mn-lt"/>
-                <a:ea typeface="+mn-ea"/>
-                <a:cs typeface="+mn-cs"/>
-              </a:defRPr>
-            </a:lvl6pPr>
-            <a:lvl7pPr marL="2971800" indent="-228600" algn="l" defTabSz="914400" rtl="0" eaLnBrk="1" latinLnBrk="0" hangingPunct="1">
-              <a:lnSpc>
-                <a:spcPct val="90000"/>
-              </a:lnSpc>
-              <a:spcBef>
-                <a:spcPts val="500"/>
-              </a:spcBef>
-              <a:buFont typeface="Arial" panose="020B0604020202020204" pitchFamily="34" charset="0"/>
-              <a:buChar char="•"/>
-              <a:defRPr sz="1800" kern="1200">
-                <a:solidFill>
-                  <a:schemeClr val="tx1"/>
-                </a:solidFill>
-                <a:latin typeface="+mn-lt"/>
-                <a:ea typeface="+mn-ea"/>
-                <a:cs typeface="+mn-cs"/>
-              </a:defRPr>
-            </a:lvl7pPr>
-            <a:lvl8pPr marL="3429000" indent="-228600" algn="l" defTabSz="914400" rtl="0" eaLnBrk="1" latinLnBrk="0" hangingPunct="1">
-              <a:lnSpc>
-                <a:spcPct val="90000"/>
-              </a:lnSpc>
-              <a:spcBef>
-                <a:spcPts val="500"/>
-              </a:spcBef>
-              <a:buFont typeface="Arial" panose="020B0604020202020204" pitchFamily="34" charset="0"/>
-              <a:buChar char="•"/>
-              <a:defRPr sz="1800" kern="1200">
-                <a:solidFill>
-                  <a:schemeClr val="tx1"/>
-                </a:solidFill>
-                <a:latin typeface="+mn-lt"/>
-                <a:ea typeface="+mn-ea"/>
-                <a:cs typeface="+mn-cs"/>
-              </a:defRPr>
-            </a:lvl8pPr>
-            <a:lvl9pPr marL="3886200" indent="-228600" algn="l" defTabSz="914400" rtl="0" eaLnBrk="1" latinLnBrk="0" hangingPunct="1">
-              <a:lnSpc>
-                <a:spcPct val="90000"/>
-              </a:lnSpc>
-              <a:spcBef>
-                <a:spcPts val="500"/>
-              </a:spcBef>
-              <a:buFont typeface="Arial" panose="020B0604020202020204" pitchFamily="34" charset="0"/>
-              <a:buChar char="•"/>
-              <a:defRPr sz="1800" kern="1200">
-                <a:solidFill>
-                  <a:schemeClr val="tx1"/>
-                </a:solidFill>
-                <a:latin typeface="+mn-lt"/>
-                <a:ea typeface="+mn-ea"/>
-                <a:cs typeface="+mn-cs"/>
-              </a:defRPr>
-            </a:lvl9pPr>
-          </a:lstStyle>
-          <a:p>
-            <a:pPr marL="0" indent="0">
-              <a:buFont typeface="Arial" panose="020B0604020202020204" pitchFamily="34" charset="0"/>
-              <a:buNone/>
-            </a:pPr>
-            <a:r>
-              <a:rPr lang="fr-FR" dirty="0" err="1"/>
-              <a:t>Github</a:t>
-            </a:r>
-            <a:r>
-              <a:rPr lang="fr-FR" dirty="0"/>
-              <a:t> actions: automatiser l’intégration du code:</a:t>
-            </a:r>
-          </a:p>
-          <a:p>
-            <a:pPr marL="0" indent="0">
-              <a:buFont typeface="Arial" panose="020B0604020202020204" pitchFamily="34" charset="0"/>
-              <a:buNone/>
-            </a:pPr>
-            <a:endParaRPr lang="fr-FR" dirty="0"/>
-          </a:p>
-          <a:p>
-            <a:pPr lvl="1"/>
-            <a:r>
-              <a:rPr lang="fr-FR" dirty="0"/>
-              <a:t>Lancer docker avec bonne version fichiers python</a:t>
-            </a:r>
-          </a:p>
-          <a:p>
-            <a:pPr lvl="1"/>
-            <a:r>
-              <a:rPr lang="fr-FR" dirty="0"/>
-              <a:t>Lancer </a:t>
-            </a:r>
-            <a:r>
-              <a:rPr lang="fr-FR" dirty="0" err="1"/>
-              <a:t>Airflow</a:t>
-            </a:r>
-            <a:endParaRPr lang="fr-FR" dirty="0"/>
-          </a:p>
-          <a:p>
-            <a:pPr lvl="1"/>
-            <a:r>
-              <a:rPr lang="fr-FR" dirty="0"/>
-              <a:t>Rapport de test</a:t>
-            </a:r>
-          </a:p>
-          <a:p>
-            <a:pPr marL="0" indent="0">
-              <a:buFont typeface="Arial" panose="020B0604020202020204" pitchFamily="34" charset="0"/>
-              <a:buNone/>
-            </a:pPr>
-            <a:endParaRPr lang="fr-FR" dirty="0"/>
-          </a:p>
-          <a:p>
-            <a:pPr marL="0" indent="0">
-              <a:buFont typeface="Arial" panose="020B0604020202020204" pitchFamily="34" charset="0"/>
-              <a:buNone/>
-            </a:pPr>
-            <a:endParaRPr lang="fr-FR" dirty="0"/>
-          </a:p>
-        </p:txBody>
-      </p:sp>
-    </p:spTree>
-    <p:extLst>
-      <p:ext uri="{BB962C8B-B14F-4D97-AF65-F5344CB8AC3E}">
-        <p14:creationId xmlns:p14="http://schemas.microsoft.com/office/powerpoint/2010/main" val="2831122228"/>
-      </p:ext>
-    </p:extLst>
-  </p:cSld>
-  <p:clrMapOvr>
-    <a:masterClrMapping/>
-  </p:clrMapOvr>
-</p:sld>
-</file>
-
-<file path=ppt/slides/slide7.xml><?xml version="1.0" encoding="utf-8"?>
-<p:sld xmlns:a="http://schemas.openxmlformats.org/drawingml/2006/main" xmlns:r="http://schemas.openxmlformats.org/officeDocument/2006/relationships" xmlns:p="http://schemas.openxmlformats.org/presentationml/2006/main">
-  <p:cSld>
-    <p:spTree>
-      <p:nvGrpSpPr>
-        <p:cNvPr id="1" name=""/>
-        <p:cNvGrpSpPr/>
-        <p:nvPr/>
-      </p:nvGrpSpPr>
-      <p:grpSpPr>
-        <a:xfrm>
-          <a:off x="0" y="0"/>
-          <a:ext cx="0" cy="0"/>
-          <a:chOff x="0" y="0"/>
-          <a:chExt cx="0" cy="0"/>
-        </a:xfrm>
-      </p:grpSpPr>
-      <p:sp>
-        <p:nvSpPr>
-          <p:cNvPr id="2" name="Titre 1">
-            <a:extLst>
-              <a:ext uri="{FF2B5EF4-FFF2-40B4-BE49-F238E27FC236}">
-                <a16:creationId xmlns:a16="http://schemas.microsoft.com/office/drawing/2014/main" id="{08702712-22F6-E27B-76CB-BBB7773FD731}"/>
-              </a:ext>
-            </a:extLst>
-          </p:cNvPr>
-          <p:cNvSpPr>
-            <a:spLocks noGrp="1"/>
-          </p:cNvSpPr>
-          <p:nvPr>
-            <p:ph type="ctrTitle"/>
-          </p:nvPr>
-        </p:nvSpPr>
-        <p:spPr>
-          <a:xfrm>
-            <a:off x="692331" y="1122362"/>
-            <a:ext cx="4794069" cy="3018564"/>
-          </a:xfrm>
-        </p:spPr>
-        <p:txBody>
-          <a:bodyPr anchor="t">
-            <a:normAutofit fontScale="90000"/>
-          </a:bodyPr>
-          <a:lstStyle/>
-          <a:p>
-            <a:pPr algn="l">
-              <a:tabLst>
-                <a:tab pos="177800" algn="l"/>
-              </a:tabLst>
-            </a:pPr>
-            <a:r>
-              <a:rPr lang="fr-FR" sz="1800" dirty="0"/>
-              <a:t>Modifier </a:t>
-            </a:r>
-            <a:r>
-              <a:rPr lang="fr-FR" sz="1800" dirty="0" err="1"/>
-              <a:t>jupyter</a:t>
-            </a:r>
-            <a:r>
-              <a:rPr lang="fr-FR" sz="1800" dirty="0"/>
-              <a:t>  </a:t>
-            </a:r>
-            <a:r>
-              <a:rPr lang="fr-FR" sz="1800" dirty="0" err="1"/>
-              <a:t>pre</a:t>
-            </a:r>
-            <a:r>
-              <a:rPr lang="fr-FR" sz="1800" dirty="0"/>
-              <a:t> </a:t>
-            </a:r>
-            <a:r>
-              <a:rPr lang="fr-FR" sz="1800" dirty="0" err="1"/>
-              <a:t>processing_transactions_IRIS</a:t>
-            </a:r>
-            <a:r>
-              <a:rPr lang="fr-FR" sz="1800" dirty="0"/>
-              <a:t>:</a:t>
-            </a:r>
-            <a:br>
-              <a:rPr lang="fr-FR" sz="1800" dirty="0"/>
-            </a:br>
-            <a:br>
-              <a:rPr lang="fr-FR" sz="1800" dirty="0"/>
-            </a:br>
-            <a:r>
-              <a:rPr lang="fr-FR" sz="1800" dirty="0"/>
-              <a:t>import les nouvelles données</a:t>
-            </a:r>
-            <a:br>
-              <a:rPr lang="fr-FR" sz="1800" dirty="0"/>
-            </a:br>
-            <a:br>
-              <a:rPr lang="fr-FR" sz="1800" dirty="0"/>
-            </a:br>
-            <a:r>
-              <a:rPr lang="fr-FR" sz="1800" dirty="0"/>
-              <a:t>filtrer :</a:t>
-            </a:r>
-            <a:br>
-              <a:rPr lang="fr-FR" sz="1800" dirty="0"/>
-            </a:br>
-            <a:r>
-              <a:rPr lang="fr-FR" sz="1800" dirty="0"/>
-              <a:t>-supprimer les </a:t>
-            </a:r>
-            <a:r>
-              <a:rPr lang="fr-FR" sz="1800" dirty="0" err="1"/>
-              <a:t>outliers</a:t>
-            </a:r>
-            <a:br>
-              <a:rPr lang="fr-FR" sz="1800" dirty="0"/>
-            </a:br>
-            <a:r>
-              <a:rPr lang="fr-FR" sz="1800" dirty="0"/>
-              <a:t>-supprimer les surface habitable ≤ 0</a:t>
-            </a:r>
-            <a:br>
-              <a:rPr lang="fr-FR" sz="1800" dirty="0"/>
-            </a:br>
-            <a:r>
-              <a:rPr lang="fr-FR" sz="1800" dirty="0"/>
-              <a:t>-générer un fichier csv</a:t>
-            </a:r>
-            <a:br>
-              <a:rPr lang="fr-FR" sz="1800" dirty="0"/>
-            </a:br>
-            <a:r>
-              <a:rPr lang="fr-FR" sz="1800" dirty="0"/>
-              <a:t>-importer dans la BDD local</a:t>
-            </a:r>
-            <a:br>
-              <a:rPr lang="fr-FR" sz="1800" dirty="0"/>
-            </a:br>
-            <a:br>
-              <a:rPr lang="fr-FR" sz="1800" dirty="0"/>
-            </a:br>
-            <a:br>
-              <a:rPr lang="fr-FR" sz="1800" dirty="0"/>
-            </a:br>
-            <a:br>
-              <a:rPr lang="fr-FR" sz="1800" dirty="0"/>
-            </a:br>
-            <a:endParaRPr lang="fr-FR" sz="1800" dirty="0"/>
-          </a:p>
-        </p:txBody>
-      </p:sp>
-      <p:sp>
-        <p:nvSpPr>
-          <p:cNvPr id="4" name="Titre 1">
-            <a:extLst>
-              <a:ext uri="{FF2B5EF4-FFF2-40B4-BE49-F238E27FC236}">
-                <a16:creationId xmlns:a16="http://schemas.microsoft.com/office/drawing/2014/main" id="{62CC928B-79A2-E8C6-D696-E93520D3ABCE}"/>
-              </a:ext>
-            </a:extLst>
-          </p:cNvPr>
-          <p:cNvSpPr txBox="1">
-            <a:spLocks/>
-          </p:cNvSpPr>
-          <p:nvPr/>
-        </p:nvSpPr>
-        <p:spPr>
-          <a:xfrm>
-            <a:off x="6052457" y="1122362"/>
-            <a:ext cx="3962400" cy="2306638"/>
-          </a:xfrm>
-          <a:prstGeom prst="rect">
-            <a:avLst/>
-          </a:prstGeom>
-        </p:spPr>
-        <p:txBody>
-          <a:bodyPr vert="horz" lIns="91440" tIns="45720" rIns="91440" bIns="45720" rtlCol="0" anchor="t">
-            <a:normAutofit/>
-          </a:bodyPr>
-          <a:lstStyle>
-            <a:lvl1pPr algn="ctr" defTabSz="914400" rtl="0" eaLnBrk="1" latinLnBrk="0" hangingPunct="1">
-              <a:lnSpc>
-                <a:spcPct val="90000"/>
-              </a:lnSpc>
-              <a:spcBef>
-                <a:spcPct val="0"/>
-              </a:spcBef>
-              <a:buNone/>
-              <a:defRPr sz="6000" kern="1200">
-                <a:solidFill>
-                  <a:schemeClr val="tx1"/>
-                </a:solidFill>
-                <a:latin typeface="+mj-lt"/>
-                <a:ea typeface="+mj-ea"/>
-                <a:cs typeface="+mj-cs"/>
-              </a:defRPr>
-            </a:lvl1pPr>
-          </a:lstStyle>
-          <a:p>
-            <a:pPr marL="171450" indent="-171450" algn="l">
-              <a:buFont typeface="Arial" panose="020B0604020202020204" pitchFamily="34" charset="0"/>
-              <a:buChar char="•"/>
-            </a:pPr>
-            <a:r>
-              <a:rPr lang="fr-FR" sz="1100" dirty="0"/>
-              <a:t>Conteneuriser la BDD local</a:t>
-            </a:r>
-          </a:p>
-          <a:p>
-            <a:pPr marL="171450" indent="-171450" algn="l">
-              <a:buFont typeface="Arial" panose="020B0604020202020204" pitchFamily="34" charset="0"/>
-              <a:buChar char="•"/>
-            </a:pPr>
-            <a:r>
-              <a:rPr lang="fr-FR" sz="1100" dirty="0"/>
-              <a:t>Créer le réseau pour que l’API communique avec la BDD</a:t>
-            </a:r>
-          </a:p>
-          <a:p>
-            <a:pPr marL="171450" indent="-171450" algn="l">
-              <a:buFont typeface="Arial" panose="020B0604020202020204" pitchFamily="34" charset="0"/>
-              <a:buChar char="•"/>
-            </a:pPr>
-            <a:endParaRPr lang="fr-FR" sz="1100" dirty="0"/>
-          </a:p>
-          <a:p>
-            <a:pPr marL="171450" indent="-171450" algn="l">
-              <a:buFont typeface="Arial" panose="020B0604020202020204" pitchFamily="34" charset="0"/>
-              <a:buChar char="•"/>
-            </a:pPr>
-            <a:r>
-              <a:rPr lang="fr-FR" sz="1100" dirty="0"/>
-              <a:t>Créer le </a:t>
-            </a:r>
-            <a:r>
-              <a:rPr lang="fr-FR" sz="1100" dirty="0" err="1"/>
-              <a:t>airflow</a:t>
-            </a:r>
-            <a:br>
-              <a:rPr lang="fr-FR" sz="1100" dirty="0"/>
-            </a:br>
-            <a:br>
-              <a:rPr lang="fr-FR" sz="1100" dirty="0"/>
-            </a:br>
-            <a:br>
-              <a:rPr lang="fr-FR" sz="1100" dirty="0"/>
-            </a:br>
-            <a:br>
-              <a:rPr lang="fr-FR" sz="1100" dirty="0"/>
-            </a:br>
-            <a:endParaRPr lang="fr-FR" sz="1100" dirty="0"/>
-          </a:p>
-        </p:txBody>
-      </p:sp>
-    </p:spTree>
-    <p:extLst>
-      <p:ext uri="{BB962C8B-B14F-4D97-AF65-F5344CB8AC3E}">
-        <p14:creationId xmlns:p14="http://schemas.microsoft.com/office/powerpoint/2010/main" val="301620062"/>
-      </p:ext>
-    </p:extLst>
-  </p:cSld>
-  <p:clrMapOvr>
-    <a:masterClrMapping/>
-  </p:clrMapOvr>
-</p:sld>
-</file>
-
-<file path=ppt/slides/slide8.xml><?xml version="1.0" encoding="utf-8"?>
+<file path=ppt/slides/slide4.xml><?xml version="1.0" encoding="utf-8"?>
 <p:sld xmlns:a="http://schemas.openxmlformats.org/drawingml/2006/main" xmlns:r="http://schemas.openxmlformats.org/officeDocument/2006/relationships" xmlns:p="http://schemas.openxmlformats.org/presentationml/2006/main">
   <p:cSld>
     <p:spTree>
